--- a/client/lecture/유니티 설치 가이드.pptx
+++ b/client/lecture/유니티 설치 가이드.pptx
@@ -2,7 +2,7 @@
 <file path=ppt/presentation.xml><?xml version="1.0" encoding="utf-8"?>
 <p:presentation xmlns:a="http://schemas.openxmlformats.org/drawingml/2006/main" xmlns:r="http://schemas.openxmlformats.org/officeDocument/2006/relationships" xmlns:p="http://schemas.openxmlformats.org/presentationml/2006/main" xmlns:p14="http://schemas.microsoft.com/office/powerpoint/2010/main" saveSubsetFonts="1">
   <p:sldMasterIdLst>
-    <p:sldMasterId id="2147483667" r:id="rId13"/>
+    <p:sldMasterId id="2147483669" r:id="rId13"/>
   </p:sldMasterIdLst>
   <p:notesMasterIdLst>
     <p:notesMasterId r:id="rId17"/>
@@ -4118,7 +4118,7 @@
 </file>
 
 <file path=ppt/slides/slide2.xml><?xml version="1.0" encoding="utf-8"?>
-<p:sld xmlns:a="http://schemas.openxmlformats.org/drawingml/2006/main" xmlns:r="http://schemas.openxmlformats.org/officeDocument/2006/relationships" xmlns:p="http://schemas.openxmlformats.org/presentationml/2006/main">
+<p:sld xmlns:a="http://schemas.openxmlformats.org/drawingml/2006/main" xmlns:r="http://schemas.openxmlformats.org/officeDocument/2006/relationships" xmlns:p="http://schemas.openxmlformats.org/presentationml/2006/main" xmlns:p14="http://schemas.microsoft.com/office/powerpoint/2010/main">
   <p:cSld>
     <p:spTree>
       <p:nvGrpSpPr>
@@ -4136,7 +4136,7 @@
       </p:grpSpPr>
       <p:pic>
         <p:nvPicPr>
-          <p:cNvPr id="2" name="그림 2" descr="C:/Users/limsg/AppData/Roaming/PolarisOffice/ETemp/2888_10878520/fImage2561979841.png"/>
+          <p:cNvPr id="2" name="그림 2"/>
           <p:cNvPicPr>
             <a:picLocks noChangeAspect="1"/>
           </p:cNvPicPr>
@@ -4172,9 +4172,9 @@
           <p:nvPr/>
         </p:nvSpPr>
         <p:spPr>
-          <a:xfrm rot="0">
+          <a:xfrm>
             <a:off x="5210175" y="709930"/>
-            <a:ext cx="7431405" cy="2308225"/>
+            <a:ext cx="7432040" cy="2308225"/>
           </a:xfrm>
           <a:prstGeom prst="rect"/>
           <a:noFill/>
@@ -4202,35 +4202,7 @@
                 <a:latin typeface="맑은 고딕" charset="0"/>
                 <a:ea typeface="맑은 고딕" charset="0"/>
               </a:rPr>
-              <a:t>U</a:t>
-            </a:r>
-            <a:r>
-              <a:rPr lang="ko-KR" sz="1800">
-                <a:latin typeface="맑은 고딕" charset="0"/>
-                <a:ea typeface="맑은 고딕" charset="0"/>
-              </a:rPr>
-              <a:t>nity 생명주기</a:t>
-            </a:r>
-            <a:r>
-              <a:rPr lang="ko-KR" sz="1800">
-                <a:latin typeface="맑은 고딕" charset="0"/>
-                <a:ea typeface="맑은 고딕" charset="0"/>
-              </a:rPr>
-              <a:t> </a:t>
-            </a:r>
-            <a:r>
-              <a:rPr lang="ko-KR" sz="1800">
-                <a:latin typeface="맑은 고딕" charset="0"/>
-                <a:ea typeface="맑은 고딕" charset="0"/>
-              </a:rPr>
-              <a:t>- </a:t>
-            </a:r>
-            <a:r>
-              <a:rPr lang="ko-KR" sz="1800">
-                <a:latin typeface="맑은 고딕" charset="0"/>
-                <a:ea typeface="맑은 고딕" charset="0"/>
-              </a:rPr>
-              <a:t>https://docs.unity3d.com/kr/2019.4/Manual/ExecutionOrder.html</a:t>
+              <a:t>Unity 생명주기 - https://docs.unity3d.com/kr/2019.4/Manual/ExecutionOrder.html</a:t>
             </a:r>
             <a:endParaRPr lang="ko-KR" altLang="en-US" sz="1800">
               <a:latin typeface="맑은 고딕" charset="0"/>
@@ -4254,35 +4226,11 @@
             </a:pPr>
             <a:r>
               <a:rPr lang="ko-KR"/>
-              <a:t>1</a:t>
+              <a:t>1. Awake, OnEna</a:t>
             </a:r>
             <a:r>
               <a:rPr lang="ko-KR"/>
-              <a:t>. </a:t>
-            </a:r>
-            <a:r>
-              <a:rPr lang="ko-KR"/>
-              <a:t>A</a:t>
-            </a:r>
-            <a:r>
-              <a:rPr lang="ko-KR"/>
-              <a:t>wake, </a:t>
-            </a:r>
-            <a:r>
-              <a:rPr lang="ko-KR"/>
-              <a:t>O</a:t>
-            </a:r>
-            <a:r>
-              <a:rPr lang="ko-KR"/>
-              <a:t>n</a:t>
-            </a:r>
-            <a:r>
-              <a:rPr lang="ko-KR"/>
-              <a:t>E</a:t>
-            </a:r>
-            <a:r>
-              <a:rPr lang="ko-KR"/>
-              <a:t>nal</a:t>
+              <a:t>b</a:t>
             </a:r>
             <a:r>
               <a:rPr lang="ko-KR"/>
@@ -4308,15 +4256,7 @@
             </a:pPr>
             <a:r>
               <a:rPr lang="ko-KR"/>
-              <a:t>2. Update</a:t>
-            </a:r>
-            <a:r>
-              <a:rPr lang="ko-KR"/>
-              <a:t>.</a:t>
-            </a:r>
-            <a:r>
-              <a:rPr lang="ko-KR"/>
-              <a:t> LateUpdate - Game logic</a:t>
+              <a:t>2. Update. LateUpdate - Game logic</a:t>
             </a:r>
             <a:endParaRPr lang="ko-KR" altLang="en-US"/>
           </a:p>
@@ -4334,23 +4274,7 @@
             </a:pPr>
             <a:r>
               <a:rPr lang="ko-KR"/>
-              <a:t>3. OnApp</a:t>
-            </a:r>
-            <a:r>
-              <a:rPr lang="ko-KR"/>
-              <a:t>l</a:t>
-            </a:r>
-            <a:r>
-              <a:rPr lang="ko-KR"/>
-              <a:t>icationQ</a:t>
-            </a:r>
-            <a:r>
-              <a:rPr lang="ko-KR"/>
-              <a:t>u</a:t>
-            </a:r>
-            <a:r>
-              <a:rPr lang="ko-KR"/>
-              <a:t>it, Ondisable, On</a:t>
+              <a:t>3. OnApplicationQuit, On</a:t>
             </a:r>
             <a:r>
               <a:rPr lang="ko-KR"/>
@@ -4358,15 +4282,7 @@
             </a:r>
             <a:r>
               <a:rPr lang="ko-KR"/>
-              <a:t>estroy - Decommissi</a:t>
-            </a:r>
-            <a:r>
-              <a:rPr lang="ko-KR"/>
-              <a:t>o</a:t>
-            </a:r>
-            <a:r>
-              <a:rPr lang="ko-KR"/>
-              <a:t>ning</a:t>
+              <a:t>isable, OnDestroy - Decommissioning</a:t>
             </a:r>
             <a:endParaRPr lang="ko-KR" altLang="en-US"/>
           </a:p>
